--- a/documentation/Process WorkFlow Graph.pptx
+++ b/documentation/Process WorkFlow Graph.pptx
@@ -4259,6 +4259,107 @@
           <a:xfrm>
             <a:off x="3279301" y="5132517"/>
             <a:ext cx="2619195" cy="1"/>
+          </a:xfrm>
+          <a:prstGeom prst="straightConnector1">
+            <a:avLst/>
+          </a:prstGeom>
+          <a:ln>
+            <a:tailEnd type="triangle"/>
+          </a:ln>
+        </p:spPr>
+        <p:style>
+          <a:lnRef idx="2">
+            <a:schemeClr val="accent1"/>
+          </a:lnRef>
+          <a:fillRef idx="0">
+            <a:schemeClr val="accent1"/>
+          </a:fillRef>
+          <a:effectRef idx="1">
+            <a:schemeClr val="accent1"/>
+          </a:effectRef>
+          <a:fontRef idx="minor">
+            <a:schemeClr val="tx1"/>
+          </a:fontRef>
+        </p:style>
+      </p:cxnSp>
+      <p:sp>
+        <p:nvSpPr>
+          <p:cNvPr id="43" name="Hexagon 42">
+            <a:extLst>
+              <a:ext uri="{FF2B5EF4-FFF2-40B4-BE49-F238E27FC236}">
+                <a16:creationId xmlns:a16="http://schemas.microsoft.com/office/drawing/2014/main" id="{D8B71A11-9FCF-8925-CF3E-2031C9ADCD00}"/>
+              </a:ext>
+            </a:extLst>
+          </p:cNvPr>
+          <p:cNvSpPr/>
+          <p:nvPr/>
+        </p:nvSpPr>
+        <p:spPr>
+          <a:xfrm>
+            <a:off x="-1451914" y="3930676"/>
+            <a:ext cx="1867733" cy="455683"/>
+          </a:xfrm>
+          <a:prstGeom prst="hexagon">
+            <a:avLst/>
+          </a:prstGeom>
+          <a:solidFill>
+            <a:srgbClr val="FFFF00"/>
+          </a:solidFill>
+          <a:ln>
+            <a:solidFill>
+              <a:schemeClr val="accent6">
+                <a:lumMod val="60000"/>
+                <a:lumOff val="40000"/>
+              </a:schemeClr>
+            </a:solidFill>
+          </a:ln>
+        </p:spPr>
+        <p:style>
+          <a:lnRef idx="2">
+            <a:schemeClr val="accent6"/>
+          </a:lnRef>
+          <a:fillRef idx="1">
+            <a:schemeClr val="lt1"/>
+          </a:fillRef>
+          <a:effectRef idx="0">
+            <a:schemeClr val="accent6"/>
+          </a:effectRef>
+          <a:fontRef idx="minor">
+            <a:schemeClr val="dk1"/>
+          </a:fontRef>
+        </p:style>
+        <p:txBody>
+          <a:bodyPr rtlCol="0" anchor="ctr"/>
+          <a:lstStyle/>
+          <a:p>
+            <a:pPr algn="ctr"/>
+            <a:r>
+              <a:rPr lang="en-US" sz="1100" dirty="0" err="1"/>
+              <a:t>refundDeposit</a:t>
+            </a:r>
+            <a:r>
+              <a:rPr lang="en-US" sz="1100" dirty="0"/>
+              <a:t>()</a:t>
+            </a:r>
+          </a:p>
+        </p:txBody>
+      </p:sp>
+      <p:cxnSp>
+        <p:nvCxnSpPr>
+          <p:cNvPr id="45" name="Straight Arrow Connector 44">
+            <a:extLst>
+              <a:ext uri="{FF2B5EF4-FFF2-40B4-BE49-F238E27FC236}">
+                <a16:creationId xmlns:a16="http://schemas.microsoft.com/office/drawing/2014/main" id="{F73022F4-F10F-7D0D-31EA-2E16C02A8266}"/>
+              </a:ext>
+            </a:extLst>
+          </p:cNvPr>
+          <p:cNvCxnSpPr/>
+          <p:nvPr/>
+        </p:nvCxnSpPr>
+        <p:spPr>
+          <a:xfrm flipH="1">
+            <a:off x="501650" y="4147433"/>
+            <a:ext cx="520700" cy="0"/>
           </a:xfrm>
           <a:prstGeom prst="straightConnector1">
             <a:avLst/>

--- a/documentation/Process WorkFlow Graph.pptx
+++ b/documentation/Process WorkFlow Graph.pptx
@@ -5,8 +5,7 @@
     <p:sldMasterId id="2147483648" r:id="rId1"/>
   </p:sldMasterIdLst>
   <p:sldIdLst>
-    <p:sldId id="256" r:id="rId2"/>
-    <p:sldId id="257" r:id="rId3"/>
+    <p:sldId id="257" r:id="rId2"/>
   </p:sldIdLst>
   <p:sldSz cx="12192000" cy="6858000"/>
   <p:notesSz cx="6858000" cy="9144000"/>
@@ -105,6 +104,11 @@
       </a:defRPr>
     </a:lvl9pPr>
   </p:defaultTextStyle>
+  <p:extLst>
+    <p:ext uri="{EFAFB233-063F-42B5-8137-9DF3F51BA10A}">
+      <p15:sldGuideLst xmlns:p15="http://schemas.microsoft.com/office/powerpoint/2012/main"/>
+    </p:ext>
+  </p:extLst>
 </p:presentation>
 </file>
 
@@ -255,7 +259,7 @@
           <a:p>
             <a:fld id="{AFC97BE2-16DE-4089-B9E2-BABB29AAE486}" type="datetimeFigureOut">
               <a:rPr lang="en-US" smtClean="0"/>
-              <a:t>8/24/2025</a:t>
+              <a:t>8/26/2025</a:t>
             </a:fld>
             <a:endParaRPr lang="en-US"/>
           </a:p>
@@ -453,7 +457,7 @@
           <a:p>
             <a:fld id="{AFC97BE2-16DE-4089-B9E2-BABB29AAE486}" type="datetimeFigureOut">
               <a:rPr lang="en-US" smtClean="0"/>
-              <a:t>8/24/2025</a:t>
+              <a:t>8/26/2025</a:t>
             </a:fld>
             <a:endParaRPr lang="en-US"/>
           </a:p>
@@ -661,7 +665,7 @@
           <a:p>
             <a:fld id="{AFC97BE2-16DE-4089-B9E2-BABB29AAE486}" type="datetimeFigureOut">
               <a:rPr lang="en-US" smtClean="0"/>
-              <a:t>8/24/2025</a:t>
+              <a:t>8/26/2025</a:t>
             </a:fld>
             <a:endParaRPr lang="en-US"/>
           </a:p>
@@ -859,7 +863,7 @@
           <a:p>
             <a:fld id="{AFC97BE2-16DE-4089-B9E2-BABB29AAE486}" type="datetimeFigureOut">
               <a:rPr lang="en-US" smtClean="0"/>
-              <a:t>8/24/2025</a:t>
+              <a:t>8/26/2025</a:t>
             </a:fld>
             <a:endParaRPr lang="en-US"/>
           </a:p>
@@ -1134,7 +1138,7 @@
           <a:p>
             <a:fld id="{AFC97BE2-16DE-4089-B9E2-BABB29AAE486}" type="datetimeFigureOut">
               <a:rPr lang="en-US" smtClean="0"/>
-              <a:t>8/24/2025</a:t>
+              <a:t>8/26/2025</a:t>
             </a:fld>
             <a:endParaRPr lang="en-US"/>
           </a:p>
@@ -1399,7 +1403,7 @@
           <a:p>
             <a:fld id="{AFC97BE2-16DE-4089-B9E2-BABB29AAE486}" type="datetimeFigureOut">
               <a:rPr lang="en-US" smtClean="0"/>
-              <a:t>8/24/2025</a:t>
+              <a:t>8/26/2025</a:t>
             </a:fld>
             <a:endParaRPr lang="en-US"/>
           </a:p>
@@ -1811,7 +1815,7 @@
           <a:p>
             <a:fld id="{AFC97BE2-16DE-4089-B9E2-BABB29AAE486}" type="datetimeFigureOut">
               <a:rPr lang="en-US" smtClean="0"/>
-              <a:t>8/24/2025</a:t>
+              <a:t>8/26/2025</a:t>
             </a:fld>
             <a:endParaRPr lang="en-US"/>
           </a:p>
@@ -1952,7 +1956,7 @@
           <a:p>
             <a:fld id="{AFC97BE2-16DE-4089-B9E2-BABB29AAE486}" type="datetimeFigureOut">
               <a:rPr lang="en-US" smtClean="0"/>
-              <a:t>8/24/2025</a:t>
+              <a:t>8/26/2025</a:t>
             </a:fld>
             <a:endParaRPr lang="en-US"/>
           </a:p>
@@ -2065,7 +2069,7 @@
           <a:p>
             <a:fld id="{AFC97BE2-16DE-4089-B9E2-BABB29AAE486}" type="datetimeFigureOut">
               <a:rPr lang="en-US" smtClean="0"/>
-              <a:t>8/24/2025</a:t>
+              <a:t>8/26/2025</a:t>
             </a:fld>
             <a:endParaRPr lang="en-US"/>
           </a:p>
@@ -2376,7 +2380,7 @@
           <a:p>
             <a:fld id="{AFC97BE2-16DE-4089-B9E2-BABB29AAE486}" type="datetimeFigureOut">
               <a:rPr lang="en-US" smtClean="0"/>
-              <a:t>8/24/2025</a:t>
+              <a:t>8/26/2025</a:t>
             </a:fld>
             <a:endParaRPr lang="en-US"/>
           </a:p>
@@ -2664,7 +2668,7 @@
           <a:p>
             <a:fld id="{AFC97BE2-16DE-4089-B9E2-BABB29AAE486}" type="datetimeFigureOut">
               <a:rPr lang="en-US" smtClean="0"/>
-              <a:t>8/24/2025</a:t>
+              <a:t>8/26/2025</a:t>
             </a:fld>
             <a:endParaRPr lang="en-US"/>
           </a:p>
@@ -2905,7 +2909,7 @@
           <a:p>
             <a:fld id="{AFC97BE2-16DE-4089-B9E2-BABB29AAE486}" type="datetimeFigureOut">
               <a:rPr lang="en-US" smtClean="0"/>
-              <a:t>8/24/2025</a:t>
+              <a:t>8/26/2025</a:t>
             </a:fld>
             <a:endParaRPr lang="en-US"/>
           </a:p>
@@ -3306,86 +3310,6 @@
 </file>
 
 <file path=ppt/slides/slide1.xml><?xml version="1.0" encoding="utf-8"?>
-<p:sld xmlns:a="http://schemas.openxmlformats.org/drawingml/2006/main" xmlns:r="http://schemas.openxmlformats.org/officeDocument/2006/relationships" xmlns:p="http://schemas.openxmlformats.org/presentationml/2006/main">
-  <p:cSld>
-    <p:spTree>
-      <p:nvGrpSpPr>
-        <p:cNvPr id="1" name=""/>
-        <p:cNvGrpSpPr/>
-        <p:nvPr/>
-      </p:nvGrpSpPr>
-      <p:grpSpPr>
-        <a:xfrm>
-          <a:off x="0" y="0"/>
-          <a:ext cx="0" cy="0"/>
-          <a:chOff x="0" y="0"/>
-          <a:chExt cx="0" cy="0"/>
-        </a:xfrm>
-      </p:grpSpPr>
-      <p:sp>
-        <p:nvSpPr>
-          <p:cNvPr id="2" name="Title 1">
-            <a:extLst>
-              <a:ext uri="{FF2B5EF4-FFF2-40B4-BE49-F238E27FC236}">
-                <a16:creationId xmlns:a16="http://schemas.microsoft.com/office/drawing/2014/main" id="{185AB468-714A-B82B-E85A-37B31F9152D1}"/>
-              </a:ext>
-            </a:extLst>
-          </p:cNvPr>
-          <p:cNvSpPr>
-            <a:spLocks noGrp="1"/>
-          </p:cNvSpPr>
-          <p:nvPr>
-            <p:ph type="ctrTitle"/>
-          </p:nvPr>
-        </p:nvSpPr>
-        <p:spPr/>
-        <p:txBody>
-          <a:bodyPr/>
-          <a:lstStyle/>
-          <a:p>
-            <a:endParaRPr lang="en-US"/>
-          </a:p>
-        </p:txBody>
-      </p:sp>
-      <p:sp>
-        <p:nvSpPr>
-          <p:cNvPr id="3" name="Subtitle 2">
-            <a:extLst>
-              <a:ext uri="{FF2B5EF4-FFF2-40B4-BE49-F238E27FC236}">
-                <a16:creationId xmlns:a16="http://schemas.microsoft.com/office/drawing/2014/main" id="{11CDF499-525C-1922-E823-69DAC898E544}"/>
-              </a:ext>
-            </a:extLst>
-          </p:cNvPr>
-          <p:cNvSpPr>
-            <a:spLocks noGrp="1"/>
-          </p:cNvSpPr>
-          <p:nvPr>
-            <p:ph type="subTitle" idx="1"/>
-          </p:nvPr>
-        </p:nvSpPr>
-        <p:spPr/>
-        <p:txBody>
-          <a:bodyPr/>
-          <a:lstStyle/>
-          <a:p>
-            <a:endParaRPr lang="en-US"/>
-          </a:p>
-        </p:txBody>
-      </p:sp>
-    </p:spTree>
-    <p:extLst>
-      <p:ext uri="{BB962C8B-B14F-4D97-AF65-F5344CB8AC3E}">
-        <p14:creationId xmlns:p14="http://schemas.microsoft.com/office/powerpoint/2010/main" val="2880881621"/>
-      </p:ext>
-    </p:extLst>
-  </p:cSld>
-  <p:clrMapOvr>
-    <a:masterClrMapping/>
-  </p:clrMapOvr>
-</p:sld>
-</file>
-
-<file path=ppt/slides/slide2.xml><?xml version="1.0" encoding="utf-8"?>
 <p:sld xmlns:a="http://schemas.openxmlformats.org/drawingml/2006/main" xmlns:r="http://schemas.openxmlformats.org/officeDocument/2006/relationships" xmlns:p="http://schemas.openxmlformats.org/presentationml/2006/main">
   <p:cSld>
     <p:spTree>
